--- a/docs/songs/i love you lord.pptx
+++ b/docs/songs/i love you lord.pptx
@@ -306,7 +306,7 @@
             <a:fld id="{26EA1CF3-4A15-4CBF-9A5A-6A56C368BE71}" type="datetimeFigureOut">
               <a:rPr lang="en-GB" smtClean="0"/>
               <a:pPr/>
-              <a:t>03/10/2022</a:t>
+              <a:t>10/05/2025</a:t>
             </a:fld>
             <a:endParaRPr lang="en-GB"/>
           </a:p>
@@ -473,7 +473,7 @@
             <a:fld id="{26EA1CF3-4A15-4CBF-9A5A-6A56C368BE71}" type="datetimeFigureOut">
               <a:rPr lang="en-GB" smtClean="0"/>
               <a:pPr/>
-              <a:t>03/10/2022</a:t>
+              <a:t>10/05/2025</a:t>
             </a:fld>
             <a:endParaRPr lang="en-GB"/>
           </a:p>
@@ -650,7 +650,7 @@
             <a:fld id="{26EA1CF3-4A15-4CBF-9A5A-6A56C368BE71}" type="datetimeFigureOut">
               <a:rPr lang="en-GB" smtClean="0"/>
               <a:pPr/>
-              <a:t>03/10/2022</a:t>
+              <a:t>10/05/2025</a:t>
             </a:fld>
             <a:endParaRPr lang="en-GB"/>
           </a:p>
@@ -817,7 +817,7 @@
             <a:fld id="{26EA1CF3-4A15-4CBF-9A5A-6A56C368BE71}" type="datetimeFigureOut">
               <a:rPr lang="en-GB" smtClean="0"/>
               <a:pPr/>
-              <a:t>03/10/2022</a:t>
+              <a:t>10/05/2025</a:t>
             </a:fld>
             <a:endParaRPr lang="en-GB"/>
           </a:p>
@@ -1060,7 +1060,7 @@
             <a:fld id="{26EA1CF3-4A15-4CBF-9A5A-6A56C368BE71}" type="datetimeFigureOut">
               <a:rPr lang="en-GB" smtClean="0"/>
               <a:pPr/>
-              <a:t>03/10/2022</a:t>
+              <a:t>10/05/2025</a:t>
             </a:fld>
             <a:endParaRPr lang="en-GB"/>
           </a:p>
@@ -1345,7 +1345,7 @@
             <a:fld id="{26EA1CF3-4A15-4CBF-9A5A-6A56C368BE71}" type="datetimeFigureOut">
               <a:rPr lang="en-GB" smtClean="0"/>
               <a:pPr/>
-              <a:t>03/10/2022</a:t>
+              <a:t>10/05/2025</a:t>
             </a:fld>
             <a:endParaRPr lang="en-GB"/>
           </a:p>
@@ -1764,7 +1764,7 @@
             <a:fld id="{26EA1CF3-4A15-4CBF-9A5A-6A56C368BE71}" type="datetimeFigureOut">
               <a:rPr lang="en-GB" smtClean="0"/>
               <a:pPr/>
-              <a:t>03/10/2022</a:t>
+              <a:t>10/05/2025</a:t>
             </a:fld>
             <a:endParaRPr lang="en-GB"/>
           </a:p>
@@ -1879,7 +1879,7 @@
             <a:fld id="{26EA1CF3-4A15-4CBF-9A5A-6A56C368BE71}" type="datetimeFigureOut">
               <a:rPr lang="en-GB" smtClean="0"/>
               <a:pPr/>
-              <a:t>03/10/2022</a:t>
+              <a:t>10/05/2025</a:t>
             </a:fld>
             <a:endParaRPr lang="en-GB"/>
           </a:p>
@@ -1971,7 +1971,7 @@
             <a:fld id="{26EA1CF3-4A15-4CBF-9A5A-6A56C368BE71}" type="datetimeFigureOut">
               <a:rPr lang="en-GB" smtClean="0"/>
               <a:pPr/>
-              <a:t>03/10/2022</a:t>
+              <a:t>10/05/2025</a:t>
             </a:fld>
             <a:endParaRPr lang="en-GB"/>
           </a:p>
@@ -2245,7 +2245,7 @@
             <a:fld id="{26EA1CF3-4A15-4CBF-9A5A-6A56C368BE71}" type="datetimeFigureOut">
               <a:rPr lang="en-GB" smtClean="0"/>
               <a:pPr/>
-              <a:t>03/10/2022</a:t>
+              <a:t>10/05/2025</a:t>
             </a:fld>
             <a:endParaRPr lang="en-GB"/>
           </a:p>
@@ -2495,7 +2495,7 @@
             <a:fld id="{26EA1CF3-4A15-4CBF-9A5A-6A56C368BE71}" type="datetimeFigureOut">
               <a:rPr lang="en-GB" smtClean="0"/>
               <a:pPr/>
-              <a:t>03/10/2022</a:t>
+              <a:t>10/05/2025</a:t>
             </a:fld>
             <a:endParaRPr lang="en-GB"/>
           </a:p>
@@ -2708,7 +2708,7 @@
             <a:fld id="{26EA1CF3-4A15-4CBF-9A5A-6A56C368BE71}" type="datetimeFigureOut">
               <a:rPr lang="en-GB" smtClean="0"/>
               <a:pPr/>
-              <a:t>03/10/2022</a:t>
+              <a:t>10/05/2025</a:t>
             </a:fld>
             <a:endParaRPr lang="en-GB"/>
           </a:p>
@@ -3409,7 +3409,7 @@
         </p:nvSpPr>
         <p:spPr>
           <a:xfrm>
-            <a:off x="323528" y="188640"/>
+            <a:off x="395536" y="908720"/>
             <a:ext cx="8640960" cy="6480720"/>
           </a:xfrm>
         </p:spPr>
@@ -3420,7 +3420,7 @@
           <a:lstStyle/>
           <a:p>
             <a:r>
-              <a:rPr lang="en-GB" sz="4400" dirty="0">
+              <a:rPr lang="en-GB" sz="3600" dirty="0">
                 <a:solidFill>
                   <a:schemeClr val="bg1"/>
                 </a:solidFill>
@@ -3430,7 +3430,7 @@
           </a:p>
           <a:p>
             <a:r>
-              <a:rPr lang="en-GB" sz="4400" dirty="0">
+              <a:rPr lang="en-GB" sz="3600" dirty="0">
                 <a:solidFill>
                   <a:schemeClr val="bg1"/>
                 </a:solidFill>
@@ -3440,7 +3440,7 @@
           </a:p>
           <a:p>
             <a:r>
-              <a:rPr lang="en-GB" sz="4400" dirty="0">
+              <a:rPr lang="en-GB" sz="3600" dirty="0">
                 <a:solidFill>
                   <a:schemeClr val="bg1"/>
                 </a:solidFill>
@@ -3450,7 +3450,7 @@
           </a:p>
           <a:p>
             <a:r>
-              <a:rPr lang="en-GB" sz="4400" dirty="0">
+              <a:rPr lang="en-GB" sz="3600" dirty="0">
                 <a:solidFill>
                   <a:schemeClr val="bg1"/>
                 </a:solidFill>
@@ -3460,7 +3460,7 @@
           </a:p>
           <a:p>
             <a:r>
-              <a:rPr lang="en-GB" sz="4400" dirty="0">
+              <a:rPr lang="en-GB" sz="3600" dirty="0">
                 <a:solidFill>
                   <a:schemeClr val="bg1"/>
                 </a:solidFill>
@@ -3470,7 +3470,7 @@
           </a:p>
           <a:p>
             <a:r>
-              <a:rPr lang="en-GB" sz="4400" dirty="0">
+              <a:rPr lang="en-GB" sz="3600" dirty="0">
                 <a:solidFill>
                   <a:schemeClr val="bg1"/>
                 </a:solidFill>
@@ -3480,7 +3480,7 @@
           </a:p>
           <a:p>
             <a:r>
-              <a:rPr lang="en-GB" sz="4400" dirty="0">
+              <a:rPr lang="en-GB" sz="3600" dirty="0">
                 <a:solidFill>
                   <a:schemeClr val="bg1"/>
                 </a:solidFill>
@@ -3488,7 +3488,7 @@
               <a:t>May it be a sweet </a:t>
             </a:r>
             <a:r>
-              <a:rPr lang="en-GB" sz="4400" dirty="0" err="1">
+              <a:rPr lang="en-GB" sz="3600" dirty="0" err="1">
                 <a:solidFill>
                   <a:schemeClr val="bg1"/>
                 </a:solidFill>
@@ -3496,7 +3496,7 @@
               <a:t>sweet</a:t>
             </a:r>
             <a:r>
-              <a:rPr lang="en-GB" sz="4400" dirty="0">
+              <a:rPr lang="en-GB" sz="3600" dirty="0">
                 <a:solidFill>
                   <a:schemeClr val="bg1"/>
                 </a:solidFill>
@@ -3506,7 +3506,7 @@
           </a:p>
           <a:p>
             <a:r>
-              <a:rPr lang="en-GB" sz="4400" dirty="0">
+              <a:rPr lang="en-GB" sz="3600" dirty="0">
                 <a:solidFill>
                   <a:schemeClr val="bg1"/>
                 </a:solidFill>
